--- a/Profimunka.pptx
+++ b/Profimunka.pptx
@@ -257,7 +257,7 @@
             <a:fld id="{B61BEF0D-F0BB-DE4B-95CE-6DB70DBA9567}" type="datetimeFigureOut">
               <a:rPr lang="en-US" smtClean="0"/>
               <a:pPr/>
-              <a:t>4/6/2022</a:t>
+              <a:t>4/20/2022</a:t>
             </a:fld>
             <a:endParaRPr lang="en-US" dirty="0"/>
           </a:p>
@@ -469,7 +469,7 @@
           <a:p>
             <a:fld id="{55C6B4A9-1611-4792-9094-5F34BCA07E0B}" type="datetimeFigureOut">
               <a:rPr lang="en-US" smtClean="0"/>
-              <a:t>4/6/2022</a:t>
+              <a:t>4/20/2022</a:t>
             </a:fld>
             <a:endParaRPr lang="en-US" dirty="0"/>
           </a:p>
@@ -685,7 +685,7 @@
             <a:fld id="{B61BEF0D-F0BB-DE4B-95CE-6DB70DBA9567}" type="datetimeFigureOut">
               <a:rPr lang="en-US" smtClean="0"/>
               <a:pPr/>
-              <a:t>4/6/2022</a:t>
+              <a:t>4/20/2022</a:t>
             </a:fld>
             <a:endParaRPr lang="en-US" dirty="0"/>
           </a:p>
@@ -888,7 +888,7 @@
             <a:fld id="{B61BEF0D-F0BB-DE4B-95CE-6DB70DBA9567}" type="datetimeFigureOut">
               <a:rPr lang="en-US" smtClean="0"/>
               <a:pPr/>
-              <a:t>4/6/2022</a:t>
+              <a:t>4/20/2022</a:t>
             </a:fld>
             <a:endParaRPr lang="en-US" dirty="0"/>
           </a:p>
@@ -1169,7 +1169,7 @@
             <a:fld id="{B61BEF0D-F0BB-DE4B-95CE-6DB70DBA9567}" type="datetimeFigureOut">
               <a:rPr lang="en-US" smtClean="0"/>
               <a:pPr/>
-              <a:t>4/6/2022</a:t>
+              <a:t>4/20/2022</a:t>
             </a:fld>
             <a:endParaRPr lang="en-US" dirty="0"/>
           </a:p>
@@ -1438,7 +1438,7 @@
           <a:p>
             <a:fld id="{EB712588-04B1-427B-82EE-E8DB90309F08}" type="datetimeFigureOut">
               <a:rPr lang="en-US" smtClean="0"/>
-              <a:t>4/6/2022</a:t>
+              <a:t>4/20/2022</a:t>
             </a:fld>
             <a:endParaRPr lang="en-US" dirty="0"/>
           </a:p>
@@ -1855,7 +1855,7 @@
             <a:fld id="{B61BEF0D-F0BB-DE4B-95CE-6DB70DBA9567}" type="datetimeFigureOut">
               <a:rPr lang="en-US" smtClean="0"/>
               <a:pPr/>
-              <a:t>4/6/2022</a:t>
+              <a:t>4/20/2022</a:t>
             </a:fld>
             <a:endParaRPr lang="en-US" dirty="0"/>
           </a:p>
@@ -2006,7 +2006,7 @@
             <a:fld id="{B61BEF0D-F0BB-DE4B-95CE-6DB70DBA9567}" type="datetimeFigureOut">
               <a:rPr lang="en-US" smtClean="0"/>
               <a:pPr/>
-              <a:t>4/6/2022</a:t>
+              <a:t>4/20/2022</a:t>
             </a:fld>
             <a:endParaRPr lang="en-US" dirty="0"/>
           </a:p>
@@ -2134,7 +2134,7 @@
             <a:fld id="{B61BEF0D-F0BB-DE4B-95CE-6DB70DBA9567}" type="datetimeFigureOut">
               <a:rPr lang="en-US" smtClean="0"/>
               <a:pPr/>
-              <a:t>4/6/2022</a:t>
+              <a:t>4/20/2022</a:t>
             </a:fld>
             <a:endParaRPr lang="en-US" dirty="0"/>
           </a:p>
@@ -2386,7 +2386,7 @@
           <a:p>
             <a:fld id="{42A54C80-263E-416B-A8E0-580EDEADCBDC}" type="datetimeFigureOut">
               <a:rPr lang="en-US" smtClean="0"/>
-              <a:t>4/6/2022</a:t>
+              <a:t>4/20/2022</a:t>
             </a:fld>
             <a:endParaRPr lang="en-US" dirty="0"/>
           </a:p>
@@ -2832,7 +2832,7 @@
             <a:fld id="{B61BEF0D-F0BB-DE4B-95CE-6DB70DBA9567}" type="datetimeFigureOut">
               <a:rPr lang="en-US" smtClean="0"/>
               <a:pPr/>
-              <a:t>4/6/2022</a:t>
+              <a:t>4/20/2022</a:t>
             </a:fld>
             <a:endParaRPr lang="en-US" dirty="0"/>
           </a:p>
@@ -3160,7 +3160,7 @@
             <a:fld id="{B61BEF0D-F0BB-DE4B-95CE-6DB70DBA9567}" type="datetimeFigureOut">
               <a:rPr lang="en-US" smtClean="0"/>
               <a:pPr/>
-              <a:t>4/6/2022</a:t>
+              <a:t>4/20/2022</a:t>
             </a:fld>
             <a:endParaRPr lang="en-US" dirty="0"/>
           </a:p>
@@ -3694,11 +3694,7 @@
           <a:p>
             <a:r>
               <a:rPr lang="hu-HU" dirty="0" smtClean="0"/>
-              <a:t>Készítette</a:t>
-            </a:r>
-            <a:r>
-              <a:rPr lang="hu-HU" dirty="0" smtClean="0"/>
-              <a:t>:</a:t>
+              <a:t>Készítette:</a:t>
             </a:r>
           </a:p>
           <a:p>
@@ -3708,11 +3704,7 @@
             </a:r>
             <a:r>
               <a:rPr lang="hu-HU" dirty="0" smtClean="0"/>
-              <a:t> </a:t>
-            </a:r>
-            <a:r>
-              <a:rPr lang="hu-HU" dirty="0" smtClean="0"/>
-              <a:t>Márk</a:t>
+              <a:t> Márk</a:t>
             </a:r>
           </a:p>
           <a:p>
@@ -4161,7 +4153,6 @@
               <a:rPr lang="hu-HU" sz="2800" dirty="0" smtClean="0"/>
               <a:t>volt</a:t>
             </a:r>
-            <a:endParaRPr lang="hu-HU" sz="2800" dirty="0" smtClean="0"/>
           </a:p>
         </p:txBody>
       </p:sp>
@@ -4389,11 +4380,7 @@
             </a:r>
             <a:r>
               <a:rPr lang="hu-HU" sz="2400" dirty="0" smtClean="0"/>
-              <a:t> Márk </a:t>
-            </a:r>
-            <a:r>
-              <a:rPr lang="hu-HU" sz="2400" dirty="0" smtClean="0"/>
-              <a:t>„</a:t>
+              <a:t> Márk „</a:t>
             </a:r>
             <a:r>
               <a:rPr lang="hu-HU" sz="2400" dirty="0"/>
@@ -4411,7 +4398,6 @@
               <a:rPr lang="hu-HU" sz="2400" dirty="0" smtClean="0"/>
               <a:t>. És Amerika érdekességeinek kigyűjtése.”</a:t>
             </a:r>
-            <a:endParaRPr lang="hu-HU" sz="2400" dirty="0" smtClean="0"/>
           </a:p>
           <a:p>
             <a:r>
@@ -4809,7 +4795,6 @@
               <a:rPr lang="hu-HU" sz="2400" dirty="0" smtClean="0"/>
               <a:t>melyik kontinens érdekességeit szeretné megtudni</a:t>
             </a:r>
-            <a:endParaRPr lang="hu-HU" sz="2400" dirty="0" smtClean="0"/>
           </a:p>
           <a:p>
             <a:pPr lvl="1"/>
@@ -4824,7 +4809,6 @@
               <a:rPr lang="hu-HU" sz="2000" dirty="0" smtClean="0"/>
               <a:t>Természeti látványosság</a:t>
             </a:r>
-            <a:endParaRPr lang="hu-HU" sz="2000" dirty="0" smtClean="0"/>
           </a:p>
         </p:txBody>
       </p:sp>
@@ -5131,16 +5115,8 @@
           <a:lstStyle/>
           <a:p>
             <a:r>
-              <a:rPr lang="hu-HU" dirty="0" err="1"/>
-              <a:t>K</a:t>
-            </a:r>
-            <a:r>
-              <a:rPr lang="hu-HU" dirty="0" err="1" smtClean="0"/>
-              <a:t>onsole</a:t>
-            </a:r>
-            <a:r>
               <a:rPr lang="hu-HU" dirty="0" smtClean="0"/>
-              <a:t> </a:t>
+              <a:t>Konzol </a:t>
             </a:r>
             <a:r>
               <a:rPr lang="hu-HU" dirty="0" smtClean="0"/>
@@ -5217,6 +5193,30 @@
           <a:xfrm>
             <a:off x="305925" y="3845414"/>
             <a:ext cx="11630025" cy="2143125"/>
+          </a:xfrm>
+          <a:prstGeom prst="rect">
+            <a:avLst/>
+          </a:prstGeom>
+        </p:spPr>
+      </p:pic>
+      <p:pic>
+        <p:nvPicPr>
+          <p:cNvPr id="4" name="Kép 3"/>
+          <p:cNvPicPr>
+            <a:picLocks noChangeAspect="1"/>
+          </p:cNvPicPr>
+          <p:nvPr/>
+        </p:nvPicPr>
+        <p:blipFill>
+          <a:blip r:embed="rId3"/>
+          <a:stretch>
+            <a:fillRect/>
+          </a:stretch>
+        </p:blipFill>
+        <p:spPr>
+          <a:xfrm>
+            <a:off x="3857217" y="4804756"/>
+            <a:ext cx="8078733" cy="1183783"/>
           </a:xfrm>
           <a:prstGeom prst="rect">
             <a:avLst/>
@@ -5599,25 +5599,6 @@
           </a:p>
         </p:txBody>
       </p:sp>
-      <p:sp>
-        <p:nvSpPr>
-          <p:cNvPr id="3" name="Tartalom helye 2"/>
-          <p:cNvSpPr>
-            <a:spLocks noGrp="1"/>
-          </p:cNvSpPr>
-          <p:nvPr>
-            <p:ph idx="1"/>
-          </p:nvPr>
-        </p:nvSpPr>
-        <p:spPr/>
-        <p:txBody>
-          <a:bodyPr/>
-          <a:lstStyle/>
-          <a:p>
-            <a:endParaRPr lang="hu-HU" dirty="0"/>
-          </a:p>
-        </p:txBody>
-      </p:sp>
       <p:pic>
         <p:nvPicPr>
           <p:cNvPr id="5" name="Kép 4"/>
@@ -5634,8 +5615,8 @@
         </p:blipFill>
         <p:spPr>
           <a:xfrm>
-            <a:off x="1346662" y="1320823"/>
-            <a:ext cx="7082444" cy="5455631"/>
+            <a:off x="1346663" y="1493712"/>
+            <a:ext cx="6858000" cy="5282741"/>
           </a:xfrm>
           <a:prstGeom prst="rect">
             <a:avLst/>

--- a/Profimunka.pptx
+++ b/Profimunka.pptx
@@ -4151,8 +4151,9 @@
             </a:r>
             <a:r>
               <a:rPr lang="hu-HU" sz="2800" dirty="0" smtClean="0"/>
-              <a:t>volt</a:t>
-            </a:r>
+              <a:t>volt.</a:t>
+            </a:r>
+            <a:endParaRPr lang="hu-HU" sz="2800" dirty="0" smtClean="0"/>
           </a:p>
         </p:txBody>
       </p:sp>
@@ -4793,8 +4794,13 @@
             </a:r>
             <a:r>
               <a:rPr lang="hu-HU" sz="2400" dirty="0" smtClean="0"/>
-              <a:t>melyik kontinens érdekességeit szeretné megtudni</a:t>
-            </a:r>
+              <a:t>melyik kontinens érdekességeit szeretné </a:t>
+            </a:r>
+            <a:r>
+              <a:rPr lang="hu-HU" sz="2400" dirty="0" smtClean="0"/>
+              <a:t>megtudni:</a:t>
+            </a:r>
+            <a:endParaRPr lang="hu-HU" sz="2400" dirty="0" smtClean="0"/>
           </a:p>
           <a:p>
             <a:pPr lvl="1"/>
@@ -5116,11 +5122,7 @@
           <a:p>
             <a:r>
               <a:rPr lang="hu-HU" dirty="0" smtClean="0"/>
-              <a:t>Konzol </a:t>
-            </a:r>
-            <a:r>
-              <a:rPr lang="hu-HU" dirty="0" smtClean="0"/>
-              <a:t>felületen </a:t>
+              <a:t>Konzol felületen </a:t>
             </a:r>
             <a:r>
               <a:rPr lang="hu-HU" dirty="0"/>

--- a/Profimunka.pptx
+++ b/Profimunka.pptx
@@ -3715,12 +3715,16 @@
           </a:p>
           <a:p>
             <a:r>
-              <a:rPr lang="hu-HU" dirty="0" err="1"/>
-              <a:t>HeinriCH</a:t>
+              <a:rPr lang="hu-HU" smtClean="0"/>
+              <a:t>HeiriCH</a:t>
+            </a:r>
+            <a:r>
+              <a:rPr lang="hu-HU" dirty="0" smtClean="0"/>
+              <a:t> </a:t>
             </a:r>
             <a:r>
               <a:rPr lang="hu-HU" dirty="0"/>
-              <a:t> Kristóf</a:t>
+              <a:t>Kristóf</a:t>
             </a:r>
           </a:p>
           <a:p>
@@ -3738,6 +3742,18 @@
   <p:clrMapOvr>
     <a:masterClrMapping/>
   </p:clrMapOvr>
+  <mc:AlternateContent xmlns:mc="http://schemas.openxmlformats.org/markup-compatibility/2006">
+    <mc:Choice xmlns:p14="http://schemas.microsoft.com/office/powerpoint/2010/main" Requires="p14">
+      <p:transition spd="slow" p14:dur="1400">
+        <p14:ripple/>
+      </p:transition>
+    </mc:Choice>
+    <mc:Fallback>
+      <p:transition spd="slow">
+        <p:fade/>
+      </p:transition>
+    </mc:Fallback>
+  </mc:AlternateContent>
   <p:timing>
     <p:tnLst>
       <p:par>
@@ -4153,7 +4169,6 @@
               <a:rPr lang="hu-HU" sz="2800" dirty="0" smtClean="0"/>
               <a:t>volt.</a:t>
             </a:r>
-            <a:endParaRPr lang="hu-HU" sz="2800" dirty="0" smtClean="0"/>
           </a:p>
         </p:txBody>
       </p:sp>
@@ -4167,6 +4182,18 @@
   <p:clrMapOvr>
     <a:masterClrMapping/>
   </p:clrMapOvr>
+  <mc:AlternateContent xmlns:mc="http://schemas.openxmlformats.org/markup-compatibility/2006">
+    <mc:Choice xmlns:p14="http://schemas.microsoft.com/office/powerpoint/2010/main" Requires="p14">
+      <p:transition spd="slow" p14:dur="4400">
+        <p14:honeycomb/>
+      </p:transition>
+    </mc:Choice>
+    <mc:Fallback>
+      <p:transition spd="slow">
+        <p:fade/>
+      </p:transition>
+    </mc:Fallback>
+  </mc:AlternateContent>
   <p:timing>
     <p:tnLst>
       <p:par>
@@ -4450,6 +4477,18 @@
   <p:clrMapOvr>
     <a:masterClrMapping/>
   </p:clrMapOvr>
+  <mc:AlternateContent xmlns:mc="http://schemas.openxmlformats.org/markup-compatibility/2006">
+    <mc:Choice xmlns:p15="http://schemas.microsoft.com/office/powerpoint/2012/main" Requires="p15">
+      <p:transition xmlns:p14="http://schemas.microsoft.com/office/powerpoint/2010/main" spd="slow" p14:dur="3250">
+        <p15:prstTrans prst="origami"/>
+      </p:transition>
+    </mc:Choice>
+    <mc:Fallback>
+      <p:transition spd="slow">
+        <p:fade/>
+      </p:transition>
+    </mc:Fallback>
+  </mc:AlternateContent>
   <p:timing>
     <p:tnLst>
       <p:par>
@@ -4794,13 +4833,8 @@
             </a:r>
             <a:r>
               <a:rPr lang="hu-HU" sz="2400" dirty="0" smtClean="0"/>
-              <a:t>melyik kontinens érdekességeit szeretné </a:t>
-            </a:r>
-            <a:r>
-              <a:rPr lang="hu-HU" sz="2400" dirty="0" smtClean="0"/>
-              <a:t>megtudni:</a:t>
-            </a:r>
-            <a:endParaRPr lang="hu-HU" sz="2400" dirty="0" smtClean="0"/>
+              <a:t>melyik kontinens érdekességeit szeretné megtudni:</a:t>
+            </a:r>
           </a:p>
           <a:p>
             <a:pPr lvl="1"/>
@@ -4828,6 +4862,18 @@
   <p:clrMapOvr>
     <a:masterClrMapping/>
   </p:clrMapOvr>
+  <mc:AlternateContent xmlns:mc="http://schemas.openxmlformats.org/markup-compatibility/2006">
+    <mc:Choice xmlns:p15="http://schemas.microsoft.com/office/powerpoint/2012/main" Requires="p15">
+      <p:transition xmlns:p14="http://schemas.microsoft.com/office/powerpoint/2010/main" spd="slow" p14:dur="2000">
+        <p15:prstTrans prst="fracture"/>
+      </p:transition>
+    </mc:Choice>
+    <mc:Fallback>
+      <p:transition spd="slow">
+        <p:fade/>
+      </p:transition>
+    </mc:Fallback>
+  </mc:AlternateContent>
   <p:timing>
     <p:tnLst>
       <p:par>
@@ -5235,6 +5281,9 @@
   <p:clrMapOvr>
     <a:masterClrMapping/>
   </p:clrMapOvr>
+  <p:transition spd="slow">
+    <p:comb/>
+  </p:transition>
   <p:timing>
     <p:tnLst>
       <p:par>
@@ -5532,6 +5581,105 @@
                       </p:childTnLst>
                     </p:cTn>
                   </p:par>
+                  <p:par>
+                    <p:cTn id="28" fill="hold">
+                      <p:stCondLst>
+                        <p:cond delay="indefinite"/>
+                      </p:stCondLst>
+                      <p:childTnLst>
+                        <p:par>
+                          <p:cTn id="29" fill="hold">
+                            <p:stCondLst>
+                              <p:cond delay="0"/>
+                            </p:stCondLst>
+                            <p:childTnLst>
+                              <p:par>
+                                <p:cTn id="30" presetID="42" presetClass="entr" presetSubtype="0" fill="hold" nodeType="clickEffect">
+                                  <p:stCondLst>
+                                    <p:cond delay="0"/>
+                                  </p:stCondLst>
+                                  <p:childTnLst>
+                                    <p:set>
+                                      <p:cBhvr>
+                                        <p:cTn id="31" dur="1" fill="hold">
+                                          <p:stCondLst>
+                                            <p:cond delay="0"/>
+                                          </p:stCondLst>
+                                        </p:cTn>
+                                        <p:tgtEl>
+                                          <p:spTgt spid="4"/>
+                                        </p:tgtEl>
+                                        <p:attrNameLst>
+                                          <p:attrName>style.visibility</p:attrName>
+                                        </p:attrNameLst>
+                                      </p:cBhvr>
+                                      <p:to>
+                                        <p:strVal val="visible"/>
+                                      </p:to>
+                                    </p:set>
+                                    <p:animEffect transition="in" filter="fade">
+                                      <p:cBhvr>
+                                        <p:cTn id="32" dur="1000"/>
+                                        <p:tgtEl>
+                                          <p:spTgt spid="4"/>
+                                        </p:tgtEl>
+                                      </p:cBhvr>
+                                    </p:animEffect>
+                                    <p:anim calcmode="lin" valueType="num">
+                                      <p:cBhvr>
+                                        <p:cTn id="33" dur="1000" fill="hold"/>
+                                        <p:tgtEl>
+                                          <p:spTgt spid="4"/>
+                                        </p:tgtEl>
+                                        <p:attrNameLst>
+                                          <p:attrName>ppt_x</p:attrName>
+                                        </p:attrNameLst>
+                                      </p:cBhvr>
+                                      <p:tavLst>
+                                        <p:tav tm="0">
+                                          <p:val>
+                                            <p:strVal val="#ppt_x"/>
+                                          </p:val>
+                                        </p:tav>
+                                        <p:tav tm="100000">
+                                          <p:val>
+                                            <p:strVal val="#ppt_x"/>
+                                          </p:val>
+                                        </p:tav>
+                                      </p:tavLst>
+                                    </p:anim>
+                                    <p:anim calcmode="lin" valueType="num">
+                                      <p:cBhvr>
+                                        <p:cTn id="34" dur="1000" fill="hold"/>
+                                        <p:tgtEl>
+                                          <p:spTgt spid="4"/>
+                                        </p:tgtEl>
+                                        <p:attrNameLst>
+                                          <p:attrName>ppt_y</p:attrName>
+                                        </p:attrNameLst>
+                                      </p:cBhvr>
+                                      <p:tavLst>
+                                        <p:tav tm="0">
+                                          <p:val>
+                                            <p:strVal val="#ppt_y+.1"/>
+                                          </p:val>
+                                        </p:tav>
+                                        <p:tav tm="100000">
+                                          <p:val>
+                                            <p:strVal val="#ppt_y"/>
+                                          </p:val>
+                                        </p:tav>
+                                      </p:tavLst>
+                                    </p:anim>
+                                  </p:childTnLst>
+                                </p:cTn>
+                              </p:par>
+                            </p:childTnLst>
+                          </p:cTn>
+                        </p:par>
+                      </p:childTnLst>
+                    </p:cTn>
+                  </p:par>
                 </p:childTnLst>
               </p:cTn>
               <p:prevCondLst>
@@ -5635,6 +5783,18 @@
   <p:clrMapOvr>
     <a:masterClrMapping/>
   </p:clrMapOvr>
+  <mc:AlternateContent xmlns:mc="http://schemas.openxmlformats.org/markup-compatibility/2006">
+    <mc:Choice xmlns:p14="http://schemas.microsoft.com/office/powerpoint/2010/main" Requires="p14">
+      <p:transition spd="slow" p14:dur="3900">
+        <p14:glitter pattern="hexagon"/>
+      </p:transition>
+    </mc:Choice>
+    <mc:Fallback>
+      <p:transition spd="slow">
+        <p:fade/>
+      </p:transition>
+    </mc:Fallback>
+  </mc:AlternateContent>
   <p:timing>
     <p:tnLst>
       <p:par>
@@ -5656,7 +5816,7 @@
                             </p:stCondLst>
                             <p:childTnLst>
                               <p:par>
-                                <p:cTn id="5" presetID="10" presetClass="entr" presetSubtype="0" fill="hold" grpId="0" nodeType="clickEffect">
+                                <p:cTn id="5" presetID="10" presetClass="entr" presetSubtype="0" fill="hold" nodeType="clickEffect">
                                   <p:stCondLst>
                                     <p:cond delay="0"/>
                                   </p:stCondLst>
@@ -5669,7 +5829,7 @@
                                           </p:stCondLst>
                                         </p:cTn>
                                         <p:tgtEl>
-                                          <p:spTgt spid="2"/>
+                                          <p:spTgt spid="5"/>
                                         </p:tgtEl>
                                         <p:attrNameLst>
                                           <p:attrName>style.visibility</p:attrName>
@@ -5683,7 +5843,7 @@
                                       <p:cBhvr>
                                         <p:cTn id="7" dur="500"/>
                                         <p:tgtEl>
-                                          <p:spTgt spid="2"/>
+                                          <p:spTgt spid="5"/>
                                         </p:tgtEl>
                                       </p:cBhvr>
                                     </p:animEffect>
@@ -5709,7 +5869,7 @@
                             </p:stCondLst>
                             <p:childTnLst>
                               <p:par>
-                                <p:cTn id="10" presetID="10" presetClass="entr" presetSubtype="0" fill="hold" nodeType="clickEffect">
+                                <p:cTn id="10" presetID="10" presetClass="entr" presetSubtype="0" fill="hold" grpId="0" nodeType="clickEffect">
                                   <p:stCondLst>
                                     <p:cond delay="0"/>
                                   </p:stCondLst>
@@ -5722,7 +5882,7 @@
                                           </p:stCondLst>
                                         </p:cTn>
                                         <p:tgtEl>
-                                          <p:spTgt spid="5"/>
+                                          <p:spTgt spid="2"/>
                                         </p:tgtEl>
                                         <p:attrNameLst>
                                           <p:attrName>style.visibility</p:attrName>
@@ -5736,7 +5896,7 @@
                                       <p:cBhvr>
                                         <p:cTn id="12" dur="500"/>
                                         <p:tgtEl>
-                                          <p:spTgt spid="5"/>
+                                          <p:spTgt spid="2"/>
                                         </p:tgtEl>
                                       </p:cBhvr>
                                     </p:animEffect>
